--- a/similarity/notebooks/media/figures.pptx
+++ b/similarity/notebooks/media/figures.pptx
@@ -8,6 +8,8 @@
     <p:sldId id="1446" r:id="rId2"/>
     <p:sldId id="261" r:id="rId3"/>
     <p:sldId id="1444" r:id="rId4"/>
+    <p:sldId id="1447" r:id="rId5"/>
+    <p:sldId id="1448" r:id="rId6"/>
   </p:sldIdLst>
   <p:sldSz cx="12192000" cy="6858000"/>
   <p:notesSz cx="6858000" cy="9144000"/>
@@ -261,7 +263,7 @@
           <a:p>
             <a:fld id="{4A8D7B51-23EF-4970-8150-2BD12F42C3C7}" type="datetimeFigureOut">
               <a:rPr lang="en-US" smtClean="0"/>
-              <a:t>6/10/2019</a:t>
+              <a:t>6/11/2019</a:t>
             </a:fld>
             <a:endParaRPr lang="en-US"/>
           </a:p>
@@ -459,7 +461,7 @@
           <a:p>
             <a:fld id="{4A8D7B51-23EF-4970-8150-2BD12F42C3C7}" type="datetimeFigureOut">
               <a:rPr lang="en-US" smtClean="0"/>
-              <a:t>6/10/2019</a:t>
+              <a:t>6/11/2019</a:t>
             </a:fld>
             <a:endParaRPr lang="en-US"/>
           </a:p>
@@ -667,7 +669,7 @@
           <a:p>
             <a:fld id="{4A8D7B51-23EF-4970-8150-2BD12F42C3C7}" type="datetimeFigureOut">
               <a:rPr lang="en-US" smtClean="0"/>
-              <a:t>6/10/2019</a:t>
+              <a:t>6/11/2019</a:t>
             </a:fld>
             <a:endParaRPr lang="en-US"/>
           </a:p>
@@ -994,7 +996,7 @@
           <a:p>
             <a:fld id="{4A8D7B51-23EF-4970-8150-2BD12F42C3C7}" type="datetimeFigureOut">
               <a:rPr lang="en-US" smtClean="0"/>
-              <a:t>6/10/2019</a:t>
+              <a:t>6/11/2019</a:t>
             </a:fld>
             <a:endParaRPr lang="en-US"/>
           </a:p>
@@ -1269,7 +1271,7 @@
           <a:p>
             <a:fld id="{4A8D7B51-23EF-4970-8150-2BD12F42C3C7}" type="datetimeFigureOut">
               <a:rPr lang="en-US" smtClean="0"/>
-              <a:t>6/10/2019</a:t>
+              <a:t>6/11/2019</a:t>
             </a:fld>
             <a:endParaRPr lang="en-US"/>
           </a:p>
@@ -1534,7 +1536,7 @@
           <a:p>
             <a:fld id="{4A8D7B51-23EF-4970-8150-2BD12F42C3C7}" type="datetimeFigureOut">
               <a:rPr lang="en-US" smtClean="0"/>
-              <a:t>6/10/2019</a:t>
+              <a:t>6/11/2019</a:t>
             </a:fld>
             <a:endParaRPr lang="en-US"/>
           </a:p>
@@ -1946,7 +1948,7 @@
           <a:p>
             <a:fld id="{4A8D7B51-23EF-4970-8150-2BD12F42C3C7}" type="datetimeFigureOut">
               <a:rPr lang="en-US" smtClean="0"/>
-              <a:t>6/10/2019</a:t>
+              <a:t>6/11/2019</a:t>
             </a:fld>
             <a:endParaRPr lang="en-US"/>
           </a:p>
@@ -2087,7 +2089,7 @@
           <a:p>
             <a:fld id="{4A8D7B51-23EF-4970-8150-2BD12F42C3C7}" type="datetimeFigureOut">
               <a:rPr lang="en-US" smtClean="0"/>
-              <a:t>6/10/2019</a:t>
+              <a:t>6/11/2019</a:t>
             </a:fld>
             <a:endParaRPr lang="en-US"/>
           </a:p>
@@ -2200,7 +2202,7 @@
           <a:p>
             <a:fld id="{4A8D7B51-23EF-4970-8150-2BD12F42C3C7}" type="datetimeFigureOut">
               <a:rPr lang="en-US" smtClean="0"/>
-              <a:t>6/10/2019</a:t>
+              <a:t>6/11/2019</a:t>
             </a:fld>
             <a:endParaRPr lang="en-US"/>
           </a:p>
@@ -2511,7 +2513,7 @@
           <a:p>
             <a:fld id="{4A8D7B51-23EF-4970-8150-2BD12F42C3C7}" type="datetimeFigureOut">
               <a:rPr lang="en-US" smtClean="0"/>
-              <a:t>6/10/2019</a:t>
+              <a:t>6/11/2019</a:t>
             </a:fld>
             <a:endParaRPr lang="en-US"/>
           </a:p>
@@ -2799,7 +2801,7 @@
           <a:p>
             <a:fld id="{4A8D7B51-23EF-4970-8150-2BD12F42C3C7}" type="datetimeFigureOut">
               <a:rPr lang="en-US" smtClean="0"/>
-              <a:t>6/10/2019</a:t>
+              <a:t>6/11/2019</a:t>
             </a:fld>
             <a:endParaRPr lang="en-US"/>
           </a:p>
@@ -3040,7 +3042,7 @@
           <a:p>
             <a:fld id="{4A8D7B51-23EF-4970-8150-2BD12F42C3C7}" type="datetimeFigureOut">
               <a:rPr lang="en-US" smtClean="0"/>
-              <a:t>6/10/2019</a:t>
+              <a:t>6/11/2019</a:t>
             </a:fld>
             <a:endParaRPr lang="en-US"/>
           </a:p>
@@ -8607,6 +8609,880 @@
 </p:sld>
 </file>
 
+<file path=ppt/slides/slide4.xml><?xml version="1.0" encoding="utf-8"?>
+<p:sld xmlns:a="http://schemas.openxmlformats.org/drawingml/2006/main" xmlns:r="http://schemas.openxmlformats.org/officeDocument/2006/relationships" xmlns:p="http://schemas.openxmlformats.org/presentationml/2006/main">
+  <p:cSld>
+    <p:spTree>
+      <p:nvGrpSpPr>
+        <p:cNvPr id="1" name=""/>
+        <p:cNvGrpSpPr/>
+        <p:nvPr/>
+      </p:nvGrpSpPr>
+      <p:grpSpPr>
+        <a:xfrm>
+          <a:off x="0" y="0"/>
+          <a:ext cx="0" cy="0"/>
+          <a:chOff x="0" y="0"/>
+          <a:chExt cx="0" cy="0"/>
+        </a:xfrm>
+      </p:grpSpPr>
+      <p:sp>
+        <p:nvSpPr>
+          <p:cNvPr id="2" name="Title 1">
+            <a:extLst>
+              <a:ext uri="{FF2B5EF4-FFF2-40B4-BE49-F238E27FC236}">
+                <a16:creationId xmlns:a16="http://schemas.microsoft.com/office/drawing/2014/main" id="{1D601D38-3EB9-4EDB-A34B-F8A5EC608BE8}"/>
+              </a:ext>
+            </a:extLst>
+          </p:cNvPr>
+          <p:cNvSpPr>
+            <a:spLocks noGrp="1"/>
+          </p:cNvSpPr>
+          <p:nvPr>
+            <p:ph type="ctrTitle"/>
+          </p:nvPr>
+        </p:nvSpPr>
+        <p:spPr/>
+        <p:txBody>
+          <a:bodyPr/>
+          <a:lstStyle/>
+          <a:p>
+            <a:r>
+              <a:rPr lang="en-US" dirty="0"/>
+              <a:t>Ranking example</a:t>
+            </a:r>
+          </a:p>
+        </p:txBody>
+      </p:sp>
+    </p:spTree>
+    <p:extLst>
+      <p:ext uri="{BB962C8B-B14F-4D97-AF65-F5344CB8AC3E}">
+        <p14:creationId xmlns:p14="http://schemas.microsoft.com/office/powerpoint/2010/main" val="2067068079"/>
+      </p:ext>
+    </p:extLst>
+  </p:cSld>
+  <p:clrMapOvr>
+    <a:masterClrMapping/>
+  </p:clrMapOvr>
+</p:sld>
+</file>
+
+<file path=ppt/slides/slide5.xml><?xml version="1.0" encoding="utf-8"?>
+<p:sld xmlns:a="http://schemas.openxmlformats.org/drawingml/2006/main" xmlns:r="http://schemas.openxmlformats.org/officeDocument/2006/relationships" xmlns:p="http://schemas.openxmlformats.org/presentationml/2006/main">
+  <p:cSld>
+    <p:spTree>
+      <p:nvGrpSpPr>
+        <p:cNvPr id="1" name=""/>
+        <p:cNvGrpSpPr/>
+        <p:nvPr/>
+      </p:nvGrpSpPr>
+      <p:grpSpPr>
+        <a:xfrm>
+          <a:off x="0" y="0"/>
+          <a:ext cx="0" cy="0"/>
+          <a:chOff x="0" y="0"/>
+          <a:chExt cx="0" cy="0"/>
+        </a:xfrm>
+      </p:grpSpPr>
+      <p:sp>
+        <p:nvSpPr>
+          <p:cNvPr id="9" name="TextBox 8">
+            <a:extLst>
+              <a:ext uri="{FF2B5EF4-FFF2-40B4-BE49-F238E27FC236}">
+                <a16:creationId xmlns:a16="http://schemas.microsoft.com/office/drawing/2014/main" id="{126D249B-7047-4DE7-A983-55A038236E9E}"/>
+              </a:ext>
+            </a:extLst>
+          </p:cNvPr>
+          <p:cNvSpPr txBox="1"/>
+          <p:nvPr/>
+        </p:nvSpPr>
+        <p:spPr>
+          <a:xfrm>
+            <a:off x="385894" y="4032621"/>
+            <a:ext cx="2667000" cy="738664"/>
+          </a:xfrm>
+          <a:prstGeom prst="rect">
+            <a:avLst/>
+          </a:prstGeom>
+          <a:noFill/>
+        </p:spPr>
+        <p:txBody>
+          <a:bodyPr wrap="square" lIns="182880" tIns="146304" rIns="182880" bIns="146304" rtlCol="0">
+            <a:spAutoFit/>
+          </a:bodyPr>
+          <a:lstStyle/>
+          <a:p>
+            <a:pPr algn="ctr">
+              <a:lnSpc>
+                <a:spcPct val="90000"/>
+              </a:lnSpc>
+              <a:spcAft>
+                <a:spcPts val="600"/>
+              </a:spcAft>
+            </a:pPr>
+            <a:r>
+              <a:rPr lang="en-US" sz="1568" dirty="0">
+                <a:solidFill>
+                  <a:schemeClr val="bg2">
+                    <a:lumMod val="50000"/>
+                  </a:schemeClr>
+                </a:solidFill>
+                <a:latin typeface="+mj-lt"/>
+              </a:rPr>
+              <a:t>Query image</a:t>
+            </a:r>
+            <a:br>
+              <a:rPr lang="en-US" sz="1600" dirty="0">
+                <a:gradFill>
+                  <a:gsLst>
+                    <a:gs pos="2917">
+                      <a:schemeClr val="tx1"/>
+                    </a:gs>
+                    <a:gs pos="30000">
+                      <a:schemeClr val="tx1"/>
+                    </a:gs>
+                  </a:gsLst>
+                  <a:lin ang="5400000" scaled="0"/>
+                </a:gradFill>
+              </a:rPr>
+            </a:br>
+            <a:endParaRPr lang="en-US" sz="1600" dirty="0">
+              <a:gradFill>
+                <a:gsLst>
+                  <a:gs pos="2917">
+                    <a:schemeClr val="tx1"/>
+                  </a:gs>
+                  <a:gs pos="30000">
+                    <a:schemeClr val="tx1"/>
+                  </a:gs>
+                </a:gsLst>
+                <a:lin ang="5400000" scaled="0"/>
+              </a:gradFill>
+            </a:endParaRPr>
+          </a:p>
+        </p:txBody>
+      </p:sp>
+      <p:sp>
+        <p:nvSpPr>
+          <p:cNvPr id="10" name="TextBox 9">
+            <a:extLst>
+              <a:ext uri="{FF2B5EF4-FFF2-40B4-BE49-F238E27FC236}">
+                <a16:creationId xmlns:a16="http://schemas.microsoft.com/office/drawing/2014/main" id="{CAABA252-7569-40B4-9E24-9733EB090557}"/>
+              </a:ext>
+            </a:extLst>
+          </p:cNvPr>
+          <p:cNvSpPr txBox="1"/>
+          <p:nvPr/>
+        </p:nvSpPr>
+        <p:spPr>
+          <a:xfrm>
+            <a:off x="3329284" y="2332688"/>
+            <a:ext cx="1091679" cy="517065"/>
+          </a:xfrm>
+          <a:prstGeom prst="rect">
+            <a:avLst/>
+          </a:prstGeom>
+          <a:noFill/>
+        </p:spPr>
+        <p:txBody>
+          <a:bodyPr wrap="square" lIns="182880" tIns="146304" rIns="182880" bIns="146304" rtlCol="0">
+            <a:spAutoFit/>
+          </a:bodyPr>
+          <a:lstStyle/>
+          <a:p>
+            <a:pPr algn="ctr">
+              <a:lnSpc>
+                <a:spcPct val="90000"/>
+              </a:lnSpc>
+              <a:spcAft>
+                <a:spcPts val="600"/>
+              </a:spcAft>
+            </a:pPr>
+            <a:r>
+              <a:rPr lang="en-US" sz="1568" dirty="0">
+                <a:solidFill>
+                  <a:schemeClr val="bg2">
+                    <a:lumMod val="50000"/>
+                  </a:schemeClr>
+                </a:solidFill>
+                <a:latin typeface="+mj-lt"/>
+              </a:rPr>
+              <a:t>Rank 1</a:t>
+            </a:r>
+          </a:p>
+        </p:txBody>
+      </p:sp>
+      <p:sp>
+        <p:nvSpPr>
+          <p:cNvPr id="11" name="TextBox 10">
+            <a:extLst>
+              <a:ext uri="{FF2B5EF4-FFF2-40B4-BE49-F238E27FC236}">
+                <a16:creationId xmlns:a16="http://schemas.microsoft.com/office/drawing/2014/main" id="{F6613BA9-46C1-46A4-A1E8-7180F05EEE56}"/>
+              </a:ext>
+            </a:extLst>
+          </p:cNvPr>
+          <p:cNvSpPr txBox="1"/>
+          <p:nvPr/>
+        </p:nvSpPr>
+        <p:spPr>
+          <a:xfrm>
+            <a:off x="4580880" y="2332688"/>
+            <a:ext cx="1016920" cy="517065"/>
+          </a:xfrm>
+          <a:prstGeom prst="rect">
+            <a:avLst/>
+          </a:prstGeom>
+          <a:noFill/>
+        </p:spPr>
+        <p:txBody>
+          <a:bodyPr wrap="square" lIns="182880" tIns="146304" rIns="182880" bIns="146304" rtlCol="0">
+            <a:spAutoFit/>
+          </a:bodyPr>
+          <a:lstStyle/>
+          <a:p>
+            <a:pPr algn="ctr">
+              <a:lnSpc>
+                <a:spcPct val="90000"/>
+              </a:lnSpc>
+              <a:spcAft>
+                <a:spcPts val="600"/>
+              </a:spcAft>
+            </a:pPr>
+            <a:r>
+              <a:rPr lang="en-US" sz="1568" dirty="0">
+                <a:solidFill>
+                  <a:schemeClr val="bg2">
+                    <a:lumMod val="50000"/>
+                  </a:schemeClr>
+                </a:solidFill>
+                <a:latin typeface="+mj-lt"/>
+              </a:rPr>
+              <a:t>Rank 2</a:t>
+            </a:r>
+          </a:p>
+        </p:txBody>
+      </p:sp>
+      <p:sp>
+        <p:nvSpPr>
+          <p:cNvPr id="12" name="TextBox 11">
+            <a:extLst>
+              <a:ext uri="{FF2B5EF4-FFF2-40B4-BE49-F238E27FC236}">
+                <a16:creationId xmlns:a16="http://schemas.microsoft.com/office/drawing/2014/main" id="{72218C7B-142F-459F-A072-8ECB9431CC34}"/>
+              </a:ext>
+            </a:extLst>
+          </p:cNvPr>
+          <p:cNvSpPr txBox="1"/>
+          <p:nvPr/>
+        </p:nvSpPr>
+        <p:spPr>
+          <a:xfrm>
+            <a:off x="5800763" y="2323197"/>
+            <a:ext cx="1018637" cy="517065"/>
+          </a:xfrm>
+          <a:prstGeom prst="rect">
+            <a:avLst/>
+          </a:prstGeom>
+          <a:noFill/>
+        </p:spPr>
+        <p:txBody>
+          <a:bodyPr wrap="square" lIns="182880" tIns="146304" rIns="182880" bIns="146304" rtlCol="0">
+            <a:spAutoFit/>
+          </a:bodyPr>
+          <a:lstStyle/>
+          <a:p>
+            <a:pPr algn="ctr">
+              <a:lnSpc>
+                <a:spcPct val="90000"/>
+              </a:lnSpc>
+              <a:spcAft>
+                <a:spcPts val="600"/>
+              </a:spcAft>
+            </a:pPr>
+            <a:r>
+              <a:rPr lang="en-US" sz="1568" dirty="0">
+                <a:solidFill>
+                  <a:schemeClr val="bg2">
+                    <a:lumMod val="50000"/>
+                  </a:schemeClr>
+                </a:solidFill>
+                <a:latin typeface="+mj-lt"/>
+              </a:rPr>
+              <a:t>Rank 3</a:t>
+            </a:r>
+          </a:p>
+        </p:txBody>
+      </p:sp>
+      <p:sp>
+        <p:nvSpPr>
+          <p:cNvPr id="13" name="TextBox 12">
+            <a:extLst>
+              <a:ext uri="{FF2B5EF4-FFF2-40B4-BE49-F238E27FC236}">
+                <a16:creationId xmlns:a16="http://schemas.microsoft.com/office/drawing/2014/main" id="{D220B846-684A-454F-9360-81D898ACF139}"/>
+              </a:ext>
+            </a:extLst>
+          </p:cNvPr>
+          <p:cNvSpPr txBox="1"/>
+          <p:nvPr/>
+        </p:nvSpPr>
+        <p:spPr>
+          <a:xfrm>
+            <a:off x="6969775" y="2332687"/>
+            <a:ext cx="1091679" cy="517065"/>
+          </a:xfrm>
+          <a:prstGeom prst="rect">
+            <a:avLst/>
+          </a:prstGeom>
+          <a:noFill/>
+        </p:spPr>
+        <p:txBody>
+          <a:bodyPr wrap="square" lIns="182880" tIns="146304" rIns="182880" bIns="146304" rtlCol="0">
+            <a:spAutoFit/>
+          </a:bodyPr>
+          <a:lstStyle/>
+          <a:p>
+            <a:pPr algn="ctr">
+              <a:lnSpc>
+                <a:spcPct val="90000"/>
+              </a:lnSpc>
+              <a:spcAft>
+                <a:spcPts val="600"/>
+              </a:spcAft>
+            </a:pPr>
+            <a:r>
+              <a:rPr lang="en-US" sz="1568" dirty="0">
+                <a:solidFill>
+                  <a:schemeClr val="bg2">
+                    <a:lumMod val="50000"/>
+                  </a:schemeClr>
+                </a:solidFill>
+                <a:latin typeface="+mj-lt"/>
+              </a:rPr>
+              <a:t>Rank 4</a:t>
+            </a:r>
+          </a:p>
+        </p:txBody>
+      </p:sp>
+      <p:sp>
+        <p:nvSpPr>
+          <p:cNvPr id="15" name="TextBox 14">
+            <a:extLst>
+              <a:ext uri="{FF2B5EF4-FFF2-40B4-BE49-F238E27FC236}">
+                <a16:creationId xmlns:a16="http://schemas.microsoft.com/office/drawing/2014/main" id="{94BDB6D5-6C84-4764-BC4A-586B85394874}"/>
+              </a:ext>
+            </a:extLst>
+          </p:cNvPr>
+          <p:cNvSpPr txBox="1"/>
+          <p:nvPr/>
+        </p:nvSpPr>
+        <p:spPr>
+          <a:xfrm>
+            <a:off x="8409828" y="2334018"/>
+            <a:ext cx="1306164" cy="517065"/>
+          </a:xfrm>
+          <a:prstGeom prst="rect">
+            <a:avLst/>
+          </a:prstGeom>
+          <a:noFill/>
+        </p:spPr>
+        <p:txBody>
+          <a:bodyPr wrap="square" lIns="182880" tIns="146304" rIns="182880" bIns="146304" rtlCol="0">
+            <a:spAutoFit/>
+          </a:bodyPr>
+          <a:lstStyle/>
+          <a:p>
+            <a:pPr algn="ctr">
+              <a:lnSpc>
+                <a:spcPct val="90000"/>
+              </a:lnSpc>
+              <a:spcAft>
+                <a:spcPts val="600"/>
+              </a:spcAft>
+            </a:pPr>
+            <a:r>
+              <a:rPr lang="en-US" sz="1568" dirty="0">
+                <a:solidFill>
+                  <a:schemeClr val="bg2">
+                    <a:lumMod val="50000"/>
+                  </a:schemeClr>
+                </a:solidFill>
+                <a:latin typeface="+mj-lt"/>
+              </a:rPr>
+              <a:t>Rank 100</a:t>
+            </a:r>
+          </a:p>
+        </p:txBody>
+      </p:sp>
+      <p:cxnSp>
+        <p:nvCxnSpPr>
+          <p:cNvPr id="16" name="Straight Connector 15">
+            <a:extLst>
+              <a:ext uri="{FF2B5EF4-FFF2-40B4-BE49-F238E27FC236}">
+                <a16:creationId xmlns:a16="http://schemas.microsoft.com/office/drawing/2014/main" id="{1C862640-6F5D-4B09-B2CF-D4A9BB70024A}"/>
+              </a:ext>
+            </a:extLst>
+          </p:cNvPr>
+          <p:cNvCxnSpPr>
+            <a:cxnSpLocks/>
+          </p:cNvCxnSpPr>
+          <p:nvPr/>
+        </p:nvCxnSpPr>
+        <p:spPr>
+          <a:xfrm>
+            <a:off x="8195517" y="3408623"/>
+            <a:ext cx="269753" cy="0"/>
+          </a:xfrm>
+          <a:prstGeom prst="line">
+            <a:avLst/>
+          </a:prstGeom>
+          <a:ln w="50800">
+            <a:solidFill>
+              <a:schemeClr val="tx1"/>
+            </a:solidFill>
+            <a:prstDash val="sysDot"/>
+            <a:headEnd type="none"/>
+            <a:tailEnd type="none"/>
+          </a:ln>
+        </p:spPr>
+        <p:style>
+          <a:lnRef idx="1">
+            <a:schemeClr val="accent1"/>
+          </a:lnRef>
+          <a:fillRef idx="0">
+            <a:schemeClr val="accent1"/>
+          </a:fillRef>
+          <a:effectRef idx="0">
+            <a:schemeClr val="accent1"/>
+          </a:effectRef>
+          <a:fontRef idx="minor">
+            <a:schemeClr val="tx1"/>
+          </a:fontRef>
+        </p:style>
+      </p:cxnSp>
+      <p:cxnSp>
+        <p:nvCxnSpPr>
+          <p:cNvPr id="17" name="Straight Arrow Connector 16">
+            <a:extLst>
+              <a:ext uri="{FF2B5EF4-FFF2-40B4-BE49-F238E27FC236}">
+                <a16:creationId xmlns:a16="http://schemas.microsoft.com/office/drawing/2014/main" id="{EE175DCF-0D20-44E1-86E9-64368F44AA08}"/>
+              </a:ext>
+            </a:extLst>
+          </p:cNvPr>
+          <p:cNvCxnSpPr>
+            <a:cxnSpLocks/>
+          </p:cNvCxnSpPr>
+          <p:nvPr/>
+        </p:nvCxnSpPr>
+        <p:spPr>
+          <a:xfrm>
+            <a:off x="2345743" y="3402608"/>
+            <a:ext cx="855256" cy="12029"/>
+          </a:xfrm>
+          <a:prstGeom prst="straightConnector1">
+            <a:avLst/>
+          </a:prstGeom>
+          <a:ln w="25400">
+            <a:solidFill>
+              <a:schemeClr val="tx1"/>
+            </a:solidFill>
+            <a:headEnd type="none"/>
+            <a:tailEnd type="triangle"/>
+          </a:ln>
+        </p:spPr>
+        <p:style>
+          <a:lnRef idx="1">
+            <a:schemeClr val="accent1"/>
+          </a:lnRef>
+          <a:fillRef idx="0">
+            <a:schemeClr val="accent1"/>
+          </a:fillRef>
+          <a:effectRef idx="0">
+            <a:schemeClr val="accent1"/>
+          </a:effectRef>
+          <a:fontRef idx="minor">
+            <a:schemeClr val="tx1"/>
+          </a:fontRef>
+        </p:style>
+      </p:cxnSp>
+      <p:sp>
+        <p:nvSpPr>
+          <p:cNvPr id="18" name="TextBox 17">
+            <a:extLst>
+              <a:ext uri="{FF2B5EF4-FFF2-40B4-BE49-F238E27FC236}">
+                <a16:creationId xmlns:a16="http://schemas.microsoft.com/office/drawing/2014/main" id="{6C6B7AD2-C2CE-42FA-BD26-F6E3322720DC}"/>
+              </a:ext>
+            </a:extLst>
+          </p:cNvPr>
+          <p:cNvSpPr txBox="1"/>
+          <p:nvPr/>
+        </p:nvSpPr>
+        <p:spPr>
+          <a:xfrm>
+            <a:off x="3364374" y="4032621"/>
+            <a:ext cx="6351617" cy="738664"/>
+          </a:xfrm>
+          <a:prstGeom prst="rect">
+            <a:avLst/>
+          </a:prstGeom>
+          <a:noFill/>
+        </p:spPr>
+        <p:txBody>
+          <a:bodyPr wrap="square" lIns="182880" tIns="146304" rIns="182880" bIns="146304" rtlCol="0">
+            <a:spAutoFit/>
+          </a:bodyPr>
+          <a:lstStyle/>
+          <a:p>
+            <a:pPr algn="ctr">
+              <a:lnSpc>
+                <a:spcPct val="90000"/>
+              </a:lnSpc>
+              <a:spcAft>
+                <a:spcPts val="600"/>
+              </a:spcAft>
+            </a:pPr>
+            <a:r>
+              <a:rPr lang="en-US" sz="1568" dirty="0">
+                <a:solidFill>
+                  <a:schemeClr val="bg2">
+                    <a:lumMod val="50000"/>
+                  </a:schemeClr>
+                </a:solidFill>
+                <a:latin typeface="+mj-lt"/>
+              </a:rPr>
+              <a:t>Sorted distractor images by their computed similarity to the query image. Note that the image with the same label (milk bottle) is at rank 3.</a:t>
+            </a:r>
+            <a:endParaRPr lang="en-US" sz="1600" dirty="0">
+              <a:gradFill>
+                <a:gsLst>
+                  <a:gs pos="2917">
+                    <a:schemeClr val="tx1"/>
+                  </a:gs>
+                  <a:gs pos="30000">
+                    <a:schemeClr val="tx1"/>
+                  </a:gs>
+                </a:gsLst>
+                <a:lin ang="5400000" scaled="0"/>
+              </a:gradFill>
+            </a:endParaRPr>
+          </a:p>
+        </p:txBody>
+      </p:sp>
+      <p:pic>
+        <p:nvPicPr>
+          <p:cNvPr id="21" name="Picture 20">
+            <a:extLst>
+              <a:ext uri="{FF2B5EF4-FFF2-40B4-BE49-F238E27FC236}">
+                <a16:creationId xmlns:a16="http://schemas.microsoft.com/office/drawing/2014/main" id="{5420B02A-75B9-4FE0-95AF-AA9EBDDE2EE7}"/>
+              </a:ext>
+            </a:extLst>
+          </p:cNvPr>
+          <p:cNvPicPr>
+            <a:picLocks noChangeAspect="1"/>
+          </p:cNvPicPr>
+          <p:nvPr/>
+        </p:nvPicPr>
+        <p:blipFill>
+          <a:blip r:embed="rId2">
+            <a:extLst>
+              <a:ext uri="{28A0092B-C50C-407E-A947-70E740481C1C}">
+                <a14:useLocalDpi xmlns:a14="http://schemas.microsoft.com/office/drawing/2010/main" val="0"/>
+              </a:ext>
+            </a:extLst>
+          </a:blip>
+          <a:stretch>
+            <a:fillRect/>
+          </a:stretch>
+        </p:blipFill>
+        <p:spPr>
+          <a:xfrm>
+            <a:off x="1208647" y="2748078"/>
+            <a:ext cx="1021495" cy="1361310"/>
+          </a:xfrm>
+          <a:prstGeom prst="rect">
+            <a:avLst/>
+          </a:prstGeom>
+        </p:spPr>
+      </p:pic>
+      <p:pic>
+        <p:nvPicPr>
+          <p:cNvPr id="24" name="Picture 23">
+            <a:extLst>
+              <a:ext uri="{FF2B5EF4-FFF2-40B4-BE49-F238E27FC236}">
+                <a16:creationId xmlns:a16="http://schemas.microsoft.com/office/drawing/2014/main" id="{0074B5B6-2EFB-45C6-90CE-A53A2D54EE1E}"/>
+              </a:ext>
+            </a:extLst>
+          </p:cNvPr>
+          <p:cNvPicPr>
+            <a:picLocks noChangeAspect="1"/>
+          </p:cNvPicPr>
+          <p:nvPr/>
+        </p:nvPicPr>
+        <p:blipFill>
+          <a:blip r:embed="rId3">
+            <a:extLst>
+              <a:ext uri="{28A0092B-C50C-407E-A947-70E740481C1C}">
+                <a14:useLocalDpi xmlns:a14="http://schemas.microsoft.com/office/drawing/2010/main" val="0"/>
+              </a:ext>
+            </a:extLst>
+          </a:blip>
+          <a:stretch>
+            <a:fillRect/>
+          </a:stretch>
+        </p:blipFill>
+        <p:spPr>
+          <a:xfrm>
+            <a:off x="3358628" y="2742141"/>
+            <a:ext cx="1021494" cy="1361310"/>
+          </a:xfrm>
+          <a:prstGeom prst="rect">
+            <a:avLst/>
+          </a:prstGeom>
+        </p:spPr>
+      </p:pic>
+      <p:pic>
+        <p:nvPicPr>
+          <p:cNvPr id="26" name="Picture 25">
+            <a:extLst>
+              <a:ext uri="{FF2B5EF4-FFF2-40B4-BE49-F238E27FC236}">
+                <a16:creationId xmlns:a16="http://schemas.microsoft.com/office/drawing/2014/main" id="{6802D766-400C-49AA-86F0-A71A50C558EA}"/>
+              </a:ext>
+            </a:extLst>
+          </p:cNvPr>
+          <p:cNvPicPr>
+            <a:picLocks noChangeAspect="1"/>
+          </p:cNvPicPr>
+          <p:nvPr/>
+        </p:nvPicPr>
+        <p:blipFill>
+          <a:blip r:embed="rId4">
+            <a:extLst>
+              <a:ext uri="{28A0092B-C50C-407E-A947-70E740481C1C}">
+                <a14:useLocalDpi xmlns:a14="http://schemas.microsoft.com/office/drawing/2010/main" val="0"/>
+              </a:ext>
+            </a:extLst>
+          </a:blip>
+          <a:stretch>
+            <a:fillRect/>
+          </a:stretch>
+        </p:blipFill>
+        <p:spPr>
+          <a:xfrm>
+            <a:off x="7039436" y="2742143"/>
+            <a:ext cx="1021494" cy="1361310"/>
+          </a:xfrm>
+          <a:prstGeom prst="rect">
+            <a:avLst/>
+          </a:prstGeom>
+        </p:spPr>
+      </p:pic>
+      <p:pic>
+        <p:nvPicPr>
+          <p:cNvPr id="28" name="Picture 27">
+            <a:extLst>
+              <a:ext uri="{FF2B5EF4-FFF2-40B4-BE49-F238E27FC236}">
+                <a16:creationId xmlns:a16="http://schemas.microsoft.com/office/drawing/2014/main" id="{0EB6038C-A9AC-4850-8C5B-1510CE924648}"/>
+              </a:ext>
+            </a:extLst>
+          </p:cNvPr>
+          <p:cNvPicPr>
+            <a:picLocks noChangeAspect="1"/>
+          </p:cNvPicPr>
+          <p:nvPr/>
+        </p:nvPicPr>
+        <p:blipFill>
+          <a:blip r:embed="rId5">
+            <a:extLst>
+              <a:ext uri="{28A0092B-C50C-407E-A947-70E740481C1C}">
+                <a14:useLocalDpi xmlns:a14="http://schemas.microsoft.com/office/drawing/2010/main" val="0"/>
+              </a:ext>
+            </a:extLst>
+          </a:blip>
+          <a:stretch>
+            <a:fillRect/>
+          </a:stretch>
+        </p:blipFill>
+        <p:spPr>
+          <a:xfrm>
+            <a:off x="8554450" y="2742140"/>
+            <a:ext cx="1016920" cy="1355215"/>
+          </a:xfrm>
+          <a:prstGeom prst="rect">
+            <a:avLst/>
+          </a:prstGeom>
+        </p:spPr>
+      </p:pic>
+      <p:pic>
+        <p:nvPicPr>
+          <p:cNvPr id="30" name="Picture 29">
+            <a:extLst>
+              <a:ext uri="{FF2B5EF4-FFF2-40B4-BE49-F238E27FC236}">
+                <a16:creationId xmlns:a16="http://schemas.microsoft.com/office/drawing/2014/main" id="{C1E61D24-687F-4E61-AA78-21C56B32BD14}"/>
+              </a:ext>
+            </a:extLst>
+          </p:cNvPr>
+          <p:cNvPicPr>
+            <a:picLocks noChangeAspect="1"/>
+          </p:cNvPicPr>
+          <p:nvPr/>
+        </p:nvPicPr>
+        <p:blipFill>
+          <a:blip r:embed="rId6">
+            <a:extLst>
+              <a:ext uri="{28A0092B-C50C-407E-A947-70E740481C1C}">
+                <a14:useLocalDpi xmlns:a14="http://schemas.microsoft.com/office/drawing/2010/main" val="0"/>
+              </a:ext>
+            </a:extLst>
+          </a:blip>
+          <a:stretch>
+            <a:fillRect/>
+          </a:stretch>
+        </p:blipFill>
+        <p:spPr>
+          <a:xfrm>
+            <a:off x="4578592" y="2742140"/>
+            <a:ext cx="1021496" cy="1361313"/>
+          </a:xfrm>
+          <a:prstGeom prst="rect">
+            <a:avLst/>
+          </a:prstGeom>
+        </p:spPr>
+      </p:pic>
+      <p:pic>
+        <p:nvPicPr>
+          <p:cNvPr id="32" name="Picture 31">
+            <a:extLst>
+              <a:ext uri="{FF2B5EF4-FFF2-40B4-BE49-F238E27FC236}">
+                <a16:creationId xmlns:a16="http://schemas.microsoft.com/office/drawing/2014/main" id="{42A82F0D-75FB-46EB-A1C7-92D1592481BC}"/>
+              </a:ext>
+            </a:extLst>
+          </p:cNvPr>
+          <p:cNvPicPr>
+            <a:picLocks noChangeAspect="1"/>
+          </p:cNvPicPr>
+          <p:nvPr/>
+        </p:nvPicPr>
+        <p:blipFill>
+          <a:blip r:embed="rId7">
+            <a:extLst>
+              <a:ext uri="{28A0092B-C50C-407E-A947-70E740481C1C}">
+                <a14:useLocalDpi xmlns:a14="http://schemas.microsoft.com/office/drawing/2010/main" val="0"/>
+              </a:ext>
+            </a:extLst>
+          </a:blip>
+          <a:stretch>
+            <a:fillRect/>
+          </a:stretch>
+        </p:blipFill>
+        <p:spPr>
+          <a:xfrm>
+            <a:off x="5813693" y="2742141"/>
+            <a:ext cx="1021495" cy="1361310"/>
+          </a:xfrm>
+          <a:prstGeom prst="rect">
+            <a:avLst/>
+          </a:prstGeom>
+        </p:spPr>
+      </p:pic>
+      <p:sp>
+        <p:nvSpPr>
+          <p:cNvPr id="19" name="Oval 18">
+            <a:extLst>
+              <a:ext uri="{FF2B5EF4-FFF2-40B4-BE49-F238E27FC236}">
+                <a16:creationId xmlns:a16="http://schemas.microsoft.com/office/drawing/2014/main" id="{52D5046A-D952-46A8-96AB-58C13A945ACD}"/>
+              </a:ext>
+            </a:extLst>
+          </p:cNvPr>
+          <p:cNvSpPr/>
+          <p:nvPr/>
+        </p:nvSpPr>
+        <p:spPr bwMode="auto">
+          <a:xfrm>
+            <a:off x="3326996" y="2306933"/>
+            <a:ext cx="1091679" cy="517065"/>
+          </a:xfrm>
+          <a:prstGeom prst="ellipse">
+            <a:avLst/>
+          </a:prstGeom>
+          <a:noFill/>
+          <a:ln w="57150">
+            <a:solidFill>
+              <a:srgbClr val="92D050"/>
+            </a:solidFill>
+            <a:headEnd type="none" w="med" len="med"/>
+            <a:tailEnd type="none" w="med" len="med"/>
+          </a:ln>
+          <a:effectLst>
+            <a:outerShdw blurRad="50800" dist="38100" dir="2700000" algn="tl" rotWithShape="0">
+              <a:prstClr val="black">
+                <a:alpha val="40000"/>
+              </a:prstClr>
+            </a:outerShdw>
+          </a:effectLst>
+        </p:spPr>
+        <p:style>
+          <a:lnRef idx="1">
+            <a:schemeClr val="accent2"/>
+          </a:lnRef>
+          <a:fillRef idx="3">
+            <a:schemeClr val="accent2"/>
+          </a:fillRef>
+          <a:effectRef idx="2">
+            <a:schemeClr val="accent2"/>
+          </a:effectRef>
+          <a:fontRef idx="minor">
+            <a:schemeClr val="lt1"/>
+          </a:fontRef>
+        </p:style>
+        <p:txBody>
+          <a:bodyPr rot="0" spcFirstLastPara="0" vertOverflow="overflow" horzOverflow="overflow" vert="horz" wrap="square" lIns="182880" tIns="146304" rIns="182880" bIns="146304" numCol="1" spcCol="0" rtlCol="0" fromWordArt="0" anchor="t" anchorCtr="0" forceAA="0" compatLnSpc="1">
+            <a:prstTxWarp prst="textNoShape">
+              <a:avLst/>
+            </a:prstTxWarp>
+            <a:noAutofit/>
+          </a:bodyPr>
+          <a:lstStyle/>
+          <a:p>
+            <a:pPr algn="ctr" defTabSz="932472" fontAlgn="base">
+              <a:lnSpc>
+                <a:spcPct val="90000"/>
+              </a:lnSpc>
+              <a:spcBef>
+                <a:spcPct val="0"/>
+              </a:spcBef>
+              <a:spcAft>
+                <a:spcPct val="0"/>
+              </a:spcAft>
+            </a:pPr>
+            <a:endParaRPr lang="en-US" sz="2400" dirty="0" err="1">
+              <a:gradFill>
+                <a:gsLst>
+                  <a:gs pos="0">
+                    <a:srgbClr val="FFFFFF"/>
+                  </a:gs>
+                  <a:gs pos="100000">
+                    <a:srgbClr val="FFFFFF"/>
+                  </a:gs>
+                </a:gsLst>
+                <a:lin ang="5400000" scaled="0"/>
+              </a:gradFill>
+              <a:ea typeface="Segoe UI" pitchFamily="34" charset="0"/>
+              <a:cs typeface="Segoe UI" pitchFamily="34" charset="0"/>
+            </a:endParaRPr>
+          </a:p>
+        </p:txBody>
+      </p:sp>
+    </p:spTree>
+    <p:extLst>
+      <p:ext uri="{BB962C8B-B14F-4D97-AF65-F5344CB8AC3E}">
+        <p14:creationId xmlns:p14="http://schemas.microsoft.com/office/powerpoint/2010/main" val="773091159"/>
+      </p:ext>
+    </p:extLst>
+  </p:cSld>
+  <p:clrMapOvr>
+    <a:masterClrMapping/>
+  </p:clrMapOvr>
+</p:sld>
+</file>
+
 <file path=ppt/theme/theme1.xml><?xml version="1.0" encoding="utf-8"?>
 <a:theme xmlns:a="http://schemas.openxmlformats.org/drawingml/2006/main" name="Office Theme">
   <a:themeElements>
